--- a/satc-figs.pptx
+++ b/satc-figs.pptx
@@ -210,7 +210,7 @@
           <a:p>
             <a:fld id="{20262184-5CA4-4F35-880A-30BBB5DC7B35}" type="datetimeFigureOut">
               <a:rPr lang="en-US" smtClean="0"/>
-              <a:t>12/20/2022</a:t>
+              <a:t>12/21/2022</a:t>
             </a:fld>
             <a:endParaRPr lang="en-US"/>
           </a:p>
@@ -1150,7 +1150,7 @@
           <a:p>
             <a:fld id="{C05BBA32-449C-4446-82D0-207D21EE8989}" type="datetimeFigureOut">
               <a:rPr lang="en-US" smtClean="0"/>
-              <a:t>12/20/2022</a:t>
+              <a:t>12/21/2022</a:t>
             </a:fld>
             <a:endParaRPr lang="en-US"/>
           </a:p>
@@ -1348,7 +1348,7 @@
           <a:p>
             <a:fld id="{C05BBA32-449C-4446-82D0-207D21EE8989}" type="datetimeFigureOut">
               <a:rPr lang="en-US" smtClean="0"/>
-              <a:t>12/20/2022</a:t>
+              <a:t>12/21/2022</a:t>
             </a:fld>
             <a:endParaRPr lang="en-US"/>
           </a:p>
@@ -1556,7 +1556,7 @@
           <a:p>
             <a:fld id="{C05BBA32-449C-4446-82D0-207D21EE8989}" type="datetimeFigureOut">
               <a:rPr lang="en-US" smtClean="0"/>
-              <a:t>12/20/2022</a:t>
+              <a:t>12/21/2022</a:t>
             </a:fld>
             <a:endParaRPr lang="en-US"/>
           </a:p>
@@ -1754,7 +1754,7 @@
           <a:p>
             <a:fld id="{C05BBA32-449C-4446-82D0-207D21EE8989}" type="datetimeFigureOut">
               <a:rPr lang="en-US" smtClean="0"/>
-              <a:t>12/20/2022</a:t>
+              <a:t>12/21/2022</a:t>
             </a:fld>
             <a:endParaRPr lang="en-US"/>
           </a:p>
@@ -2029,7 +2029,7 @@
           <a:p>
             <a:fld id="{C05BBA32-449C-4446-82D0-207D21EE8989}" type="datetimeFigureOut">
               <a:rPr lang="en-US" smtClean="0"/>
-              <a:t>12/20/2022</a:t>
+              <a:t>12/21/2022</a:t>
             </a:fld>
             <a:endParaRPr lang="en-US"/>
           </a:p>
@@ -2294,7 +2294,7 @@
           <a:p>
             <a:fld id="{C05BBA32-449C-4446-82D0-207D21EE8989}" type="datetimeFigureOut">
               <a:rPr lang="en-US" smtClean="0"/>
-              <a:t>12/20/2022</a:t>
+              <a:t>12/21/2022</a:t>
             </a:fld>
             <a:endParaRPr lang="en-US"/>
           </a:p>
@@ -2706,7 +2706,7 @@
           <a:p>
             <a:fld id="{C05BBA32-449C-4446-82D0-207D21EE8989}" type="datetimeFigureOut">
               <a:rPr lang="en-US" smtClean="0"/>
-              <a:t>12/20/2022</a:t>
+              <a:t>12/21/2022</a:t>
             </a:fld>
             <a:endParaRPr lang="en-US"/>
           </a:p>
@@ -2847,7 +2847,7 @@
           <a:p>
             <a:fld id="{C05BBA32-449C-4446-82D0-207D21EE8989}" type="datetimeFigureOut">
               <a:rPr lang="en-US" smtClean="0"/>
-              <a:t>12/20/2022</a:t>
+              <a:t>12/21/2022</a:t>
             </a:fld>
             <a:endParaRPr lang="en-US"/>
           </a:p>
@@ -2960,7 +2960,7 @@
           <a:p>
             <a:fld id="{C05BBA32-449C-4446-82D0-207D21EE8989}" type="datetimeFigureOut">
               <a:rPr lang="en-US" smtClean="0"/>
-              <a:t>12/20/2022</a:t>
+              <a:t>12/21/2022</a:t>
             </a:fld>
             <a:endParaRPr lang="en-US"/>
           </a:p>
@@ -3271,7 +3271,7 @@
           <a:p>
             <a:fld id="{C05BBA32-449C-4446-82D0-207D21EE8989}" type="datetimeFigureOut">
               <a:rPr lang="en-US" smtClean="0"/>
-              <a:t>12/20/2022</a:t>
+              <a:t>12/21/2022</a:t>
             </a:fld>
             <a:endParaRPr lang="en-US"/>
           </a:p>
@@ -3559,7 +3559,7 @@
           <a:p>
             <a:fld id="{C05BBA32-449C-4446-82D0-207D21EE8989}" type="datetimeFigureOut">
               <a:rPr lang="en-US" smtClean="0"/>
-              <a:t>12/20/2022</a:t>
+              <a:t>12/21/2022</a:t>
             </a:fld>
             <a:endParaRPr lang="en-US"/>
           </a:p>
@@ -3800,7 +3800,7 @@
           <a:p>
             <a:fld id="{C05BBA32-449C-4446-82D0-207D21EE8989}" type="datetimeFigureOut">
               <a:rPr lang="en-US" smtClean="0"/>
-              <a:t>12/20/2022</a:t>
+              <a:t>12/21/2022</a:t>
             </a:fld>
             <a:endParaRPr lang="en-US"/>
           </a:p>
@@ -18159,7 +18159,7 @@
         </p:nvGrpSpPr>
         <p:grpSpPr>
           <a:xfrm>
-            <a:off x="4421840" y="4127625"/>
+            <a:off x="4290106" y="4603823"/>
             <a:ext cx="1990722" cy="1785090"/>
             <a:chOff x="4479492" y="5149500"/>
             <a:chExt cx="1990722" cy="1785090"/>
@@ -18251,12 +18251,12 @@
         </p:nvSpPr>
         <p:spPr>
           <a:xfrm flipV="1">
-            <a:off x="1622813" y="3701975"/>
-            <a:ext cx="2671160" cy="1302517"/>
+            <a:off x="1622813" y="3701974"/>
+            <a:ext cx="2671160" cy="1825726"/>
           </a:xfrm>
           <a:prstGeom prst="bentArrow">
             <a:avLst>
-              <a:gd name="adj1" fmla="val 12187"/>
+              <a:gd name="adj1" fmla="val 10935"/>
               <a:gd name="adj2" fmla="val 12265"/>
               <a:gd name="adj3" fmla="val 13095"/>
               <a:gd name="adj4" fmla="val 43750"/>
@@ -18307,8 +18307,8 @@
         </p:nvSpPr>
         <p:spPr>
           <a:xfrm>
-            <a:off x="5368955" y="3682195"/>
-            <a:ext cx="242194" cy="425650"/>
+            <a:off x="5270455" y="3667174"/>
+            <a:ext cx="363233" cy="886828"/>
           </a:xfrm>
           <a:prstGeom prst="downArrow">
             <a:avLst/>
@@ -19047,6 +19047,88 @@
           <a:p>
             <a:pPr algn="ctr"/>
             <a:endParaRPr lang="en-US"/>
+          </a:p>
+        </p:txBody>
+      </p:sp>
+      <p:sp>
+        <p:nvSpPr>
+          <p:cNvPr id="2" name="Arrow: Right 1">
+            <a:extLst>
+              <a:ext uri="{FF2B5EF4-FFF2-40B4-BE49-F238E27FC236}">
+                <a16:creationId xmlns:a16="http://schemas.microsoft.com/office/drawing/2014/main" id="{C547344E-D49B-9804-EAB2-80CCDEA9BB94}"/>
+              </a:ext>
+            </a:extLst>
+          </p:cNvPr>
+          <p:cNvSpPr/>
+          <p:nvPr/>
+        </p:nvSpPr>
+        <p:spPr>
+          <a:xfrm>
+            <a:off x="6340556" y="5235608"/>
+            <a:ext cx="1198606" cy="292093"/>
+          </a:xfrm>
+          <a:prstGeom prst="rightArrow">
+            <a:avLst/>
+          </a:prstGeom>
+          <a:noFill/>
+        </p:spPr>
+        <p:style>
+          <a:lnRef idx="2">
+            <a:schemeClr val="accent1">
+              <a:shade val="50000"/>
+            </a:schemeClr>
+          </a:lnRef>
+          <a:fillRef idx="1">
+            <a:schemeClr val="accent1"/>
+          </a:fillRef>
+          <a:effectRef idx="0">
+            <a:schemeClr val="accent1"/>
+          </a:effectRef>
+          <a:fontRef idx="minor">
+            <a:schemeClr val="lt1"/>
+          </a:fontRef>
+        </p:style>
+        <p:txBody>
+          <a:bodyPr rtlCol="0" anchor="ctr"/>
+          <a:lstStyle/>
+          <a:p>
+            <a:pPr algn="ctr"/>
+            <a:endParaRPr lang="en-US" dirty="0"/>
+          </a:p>
+        </p:txBody>
+      </p:sp>
+      <p:sp>
+        <p:nvSpPr>
+          <p:cNvPr id="3" name="TextBox 2">
+            <a:extLst>
+              <a:ext uri="{FF2B5EF4-FFF2-40B4-BE49-F238E27FC236}">
+                <a16:creationId xmlns:a16="http://schemas.microsoft.com/office/drawing/2014/main" id="{0AFB1603-4646-8231-7417-17D09376F58E}"/>
+              </a:ext>
+            </a:extLst>
+          </p:cNvPr>
+          <p:cNvSpPr txBox="1"/>
+          <p:nvPr/>
+        </p:nvSpPr>
+        <p:spPr>
+          <a:xfrm>
+            <a:off x="4123908" y="6297127"/>
+            <a:ext cx="3069587" cy="646331"/>
+          </a:xfrm>
+          <a:prstGeom prst="rect">
+            <a:avLst/>
+          </a:prstGeom>
+          <a:noFill/>
+        </p:spPr>
+        <p:txBody>
+          <a:bodyPr wrap="square" rtlCol="0">
+            <a:spAutoFit/>
+          </a:bodyPr>
+          <a:lstStyle/>
+          <a:p>
+            <a:r>
+              <a:rPr lang="en-US" i="1" dirty="0"/>
+              <a:t>Connecting the inputs and outputs for explanations</a:t>
+            </a:r>
           </a:p>
         </p:txBody>
       </p:sp>

--- a/satc-figs.pptx
+++ b/satc-figs.pptx
@@ -210,7 +210,7 @@
           <a:p>
             <a:fld id="{20262184-5CA4-4F35-880A-30BBB5DC7B35}" type="datetimeFigureOut">
               <a:rPr lang="en-US" smtClean="0"/>
-              <a:t>12/21/2022</a:t>
+              <a:t>1/22/2023</a:t>
             </a:fld>
             <a:endParaRPr lang="en-US"/>
           </a:p>
@@ -1150,7 +1150,7 @@
           <a:p>
             <a:fld id="{C05BBA32-449C-4446-82D0-207D21EE8989}" type="datetimeFigureOut">
               <a:rPr lang="en-US" smtClean="0"/>
-              <a:t>12/21/2022</a:t>
+              <a:t>1/22/2023</a:t>
             </a:fld>
             <a:endParaRPr lang="en-US"/>
           </a:p>
@@ -1348,7 +1348,7 @@
           <a:p>
             <a:fld id="{C05BBA32-449C-4446-82D0-207D21EE8989}" type="datetimeFigureOut">
               <a:rPr lang="en-US" smtClean="0"/>
-              <a:t>12/21/2022</a:t>
+              <a:t>1/22/2023</a:t>
             </a:fld>
             <a:endParaRPr lang="en-US"/>
           </a:p>
@@ -1556,7 +1556,7 @@
           <a:p>
             <a:fld id="{C05BBA32-449C-4446-82D0-207D21EE8989}" type="datetimeFigureOut">
               <a:rPr lang="en-US" smtClean="0"/>
-              <a:t>12/21/2022</a:t>
+              <a:t>1/22/2023</a:t>
             </a:fld>
             <a:endParaRPr lang="en-US"/>
           </a:p>
@@ -1754,7 +1754,7 @@
           <a:p>
             <a:fld id="{C05BBA32-449C-4446-82D0-207D21EE8989}" type="datetimeFigureOut">
               <a:rPr lang="en-US" smtClean="0"/>
-              <a:t>12/21/2022</a:t>
+              <a:t>1/22/2023</a:t>
             </a:fld>
             <a:endParaRPr lang="en-US"/>
           </a:p>
@@ -2029,7 +2029,7 @@
           <a:p>
             <a:fld id="{C05BBA32-449C-4446-82D0-207D21EE8989}" type="datetimeFigureOut">
               <a:rPr lang="en-US" smtClean="0"/>
-              <a:t>12/21/2022</a:t>
+              <a:t>1/22/2023</a:t>
             </a:fld>
             <a:endParaRPr lang="en-US"/>
           </a:p>
@@ -2294,7 +2294,7 @@
           <a:p>
             <a:fld id="{C05BBA32-449C-4446-82D0-207D21EE8989}" type="datetimeFigureOut">
               <a:rPr lang="en-US" smtClean="0"/>
-              <a:t>12/21/2022</a:t>
+              <a:t>1/22/2023</a:t>
             </a:fld>
             <a:endParaRPr lang="en-US"/>
           </a:p>
@@ -2706,7 +2706,7 @@
           <a:p>
             <a:fld id="{C05BBA32-449C-4446-82D0-207D21EE8989}" type="datetimeFigureOut">
               <a:rPr lang="en-US" smtClean="0"/>
-              <a:t>12/21/2022</a:t>
+              <a:t>1/22/2023</a:t>
             </a:fld>
             <a:endParaRPr lang="en-US"/>
           </a:p>
@@ -2847,7 +2847,7 @@
           <a:p>
             <a:fld id="{C05BBA32-449C-4446-82D0-207D21EE8989}" type="datetimeFigureOut">
               <a:rPr lang="en-US" smtClean="0"/>
-              <a:t>12/21/2022</a:t>
+              <a:t>1/22/2023</a:t>
             </a:fld>
             <a:endParaRPr lang="en-US"/>
           </a:p>
@@ -2960,7 +2960,7 @@
           <a:p>
             <a:fld id="{C05BBA32-449C-4446-82D0-207D21EE8989}" type="datetimeFigureOut">
               <a:rPr lang="en-US" smtClean="0"/>
-              <a:t>12/21/2022</a:t>
+              <a:t>1/22/2023</a:t>
             </a:fld>
             <a:endParaRPr lang="en-US"/>
           </a:p>
@@ -3271,7 +3271,7 @@
           <a:p>
             <a:fld id="{C05BBA32-449C-4446-82D0-207D21EE8989}" type="datetimeFigureOut">
               <a:rPr lang="en-US" smtClean="0"/>
-              <a:t>12/21/2022</a:t>
+              <a:t>1/22/2023</a:t>
             </a:fld>
             <a:endParaRPr lang="en-US"/>
           </a:p>
@@ -3559,7 +3559,7 @@
           <a:p>
             <a:fld id="{C05BBA32-449C-4446-82D0-207D21EE8989}" type="datetimeFigureOut">
               <a:rPr lang="en-US" smtClean="0"/>
-              <a:t>12/21/2022</a:t>
+              <a:t>1/22/2023</a:t>
             </a:fld>
             <a:endParaRPr lang="en-US"/>
           </a:p>
@@ -3800,7 +3800,7 @@
           <a:p>
             <a:fld id="{C05BBA32-449C-4446-82D0-207D21EE8989}" type="datetimeFigureOut">
               <a:rPr lang="en-US" smtClean="0"/>
-              <a:t>12/21/2022</a:t>
+              <a:t>1/22/2023</a:t>
             </a:fld>
             <a:endParaRPr lang="en-US"/>
           </a:p>
@@ -18064,12 +18064,24 @@
           <a:p>
             <a:r>
               <a:rPr lang="en-US" dirty="0"/>
-              <a:t>Security Vulnerability Impact</a:t>
+              <a:t>Security Vulnerability </a:t>
+            </a:r>
+            <a:r>
+              <a:rPr lang="en-US" dirty="0">
+                <a:solidFill>
+                  <a:srgbClr val="FF0000"/>
+                </a:solidFill>
+              </a:rPr>
+              <a:t>Impact</a:t>
             </a:r>
           </a:p>
           <a:p>
             <a:r>
-              <a:rPr lang="en-US" dirty="0"/>
+              <a:rPr lang="en-US" dirty="0">
+                <a:solidFill>
+                  <a:srgbClr val="FF0000"/>
+                </a:solidFill>
+              </a:rPr>
               <a:t>Estimations</a:t>
             </a:r>
           </a:p>
@@ -18230,7 +18242,11 @@
             <a:lstStyle/>
             <a:p>
               <a:r>
-                <a:rPr lang="en-US" dirty="0"/>
+                <a:rPr lang="en-US" dirty="0">
+                  <a:solidFill>
+                    <a:srgbClr val="FF0000"/>
+                  </a:solidFill>
+                </a:rPr>
                 <a:t>Explainable AI</a:t>
               </a:r>
             </a:p>
@@ -18535,7 +18551,11 @@
           <a:lstStyle/>
           <a:p>
             <a:r>
-              <a:rPr lang="en-US" dirty="0"/>
+              <a:rPr lang="en-US" dirty="0">
+                <a:solidFill>
+                  <a:srgbClr val="FF0000"/>
+                </a:solidFill>
+              </a:rPr>
               <a:t>Explanations</a:t>
             </a:r>
           </a:p>
@@ -19128,6 +19148,55 @@
             <a:r>
               <a:rPr lang="en-US" i="1" dirty="0"/>
               <a:t>Connecting the inputs and outputs for explanations</a:t>
+            </a:r>
+          </a:p>
+        </p:txBody>
+      </p:sp>
+      <p:sp>
+        <p:nvSpPr>
+          <p:cNvPr id="7" name="TextBox 6">
+            <a:extLst>
+              <a:ext uri="{FF2B5EF4-FFF2-40B4-BE49-F238E27FC236}">
+                <a16:creationId xmlns:a16="http://schemas.microsoft.com/office/drawing/2014/main" id="{D10D316B-74BA-273C-9BF4-4F8146329D95}"/>
+              </a:ext>
+            </a:extLst>
+          </p:cNvPr>
+          <p:cNvSpPr txBox="1"/>
+          <p:nvPr/>
+        </p:nvSpPr>
+        <p:spPr>
+          <a:xfrm>
+            <a:off x="9416525" y="5650796"/>
+            <a:ext cx="2356375" cy="923330"/>
+          </a:xfrm>
+          <a:prstGeom prst="rect">
+            <a:avLst/>
+          </a:prstGeom>
+          <a:noFill/>
+        </p:spPr>
+        <p:txBody>
+          <a:bodyPr wrap="square" rtlCol="0">
+            <a:spAutoFit/>
+          </a:bodyPr>
+          <a:lstStyle/>
+          <a:p>
+            <a:r>
+              <a:rPr lang="en-US" i="1" dirty="0"/>
+              <a:t>1. Textual Explanations</a:t>
+            </a:r>
+          </a:p>
+          <a:p>
+            <a:r>
+              <a:rPr lang="en-US" i="1" dirty="0"/>
+              <a:t>2. Evidence </a:t>
+            </a:r>
+            <a:r>
+              <a:rPr lang="en-US" i="1"/>
+              <a:t>on Vulnerable </a:t>
+            </a:r>
+            <a:r>
+              <a:rPr lang="en-US" i="1" dirty="0"/>
+              <a:t>Code</a:t>
             </a:r>
           </a:p>
         </p:txBody>
